--- a/lesson04.pptx
+++ b/lesson04.pptx
@@ -209,11 +209,42 @@
 <pc:chgInfo xmlns:a="http://schemas.openxmlformats.org/drawingml/2006/main" xmlns:r="http://schemas.openxmlformats.org/officeDocument/2006/relationships" xmlns:ac="http://schemas.microsoft.com/office/drawing/2013/main/command" xmlns:pc="http://schemas.microsoft.com/office/powerpoint/2013/main/command">
   <pc:docChgLst>
     <pc:chgData name="Anatoliy Kigel" userId="7432c6c4687b0a9c" providerId="LiveId" clId="{B637FAF1-7C4E-451F-B3F3-CE131EC3DB1E}"/>
-    <pc:docChg chg="modSld">
-      <pc:chgData name="Anatoliy Kigel" userId="7432c6c4687b0a9c" providerId="LiveId" clId="{B637FAF1-7C4E-451F-B3F3-CE131EC3DB1E}" dt="2021-02-09T21:27:32.741" v="71" actId="20577"/>
+    <pc:docChg chg="custSel modSld">
+      <pc:chgData name="Anatoliy Kigel" userId="7432c6c4687b0a9c" providerId="LiveId" clId="{B637FAF1-7C4E-451F-B3F3-CE131EC3DB1E}" dt="2021-02-11T21:23:39.080" v="83" actId="1037"/>
       <pc:docMkLst>
         <pc:docMk/>
       </pc:docMkLst>
+      <pc:sldChg chg="addSp delSp modSp mod">
+        <pc:chgData name="Anatoliy Kigel" userId="7432c6c4687b0a9c" providerId="LiveId" clId="{B637FAF1-7C4E-451F-B3F3-CE131EC3DB1E}" dt="2021-02-11T21:23:39.080" v="83" actId="1037"/>
+        <pc:sldMkLst>
+          <pc:docMk/>
+          <pc:sldMk cId="1643012278" sldId="329"/>
+        </pc:sldMkLst>
+        <pc:spChg chg="mod">
+          <ac:chgData name="Anatoliy Kigel" userId="7432c6c4687b0a9c" providerId="LiveId" clId="{B637FAF1-7C4E-451F-B3F3-CE131EC3DB1E}" dt="2021-02-11T21:23:39.080" v="83" actId="1037"/>
+          <ac:spMkLst>
+            <pc:docMk/>
+            <pc:sldMk cId="1643012278" sldId="329"/>
+            <ac:spMk id="10" creationId="{00000000-0000-0000-0000-000000000000}"/>
+          </ac:spMkLst>
+        </pc:spChg>
+        <pc:picChg chg="del">
+          <ac:chgData name="Anatoliy Kigel" userId="7432c6c4687b0a9c" providerId="LiveId" clId="{B637FAF1-7C4E-451F-B3F3-CE131EC3DB1E}" dt="2021-02-11T21:23:25.078" v="72" actId="478"/>
+          <ac:picMkLst>
+            <pc:docMk/>
+            <pc:sldMk cId="1643012278" sldId="329"/>
+            <ac:picMk id="4" creationId="{00000000-0000-0000-0000-000000000000}"/>
+          </ac:picMkLst>
+        </pc:picChg>
+        <pc:picChg chg="add mod">
+          <ac:chgData name="Anatoliy Kigel" userId="7432c6c4687b0a9c" providerId="LiveId" clId="{B637FAF1-7C4E-451F-B3F3-CE131EC3DB1E}" dt="2021-02-11T21:23:37.354" v="79" actId="1076"/>
+          <ac:picMkLst>
+            <pc:docMk/>
+            <pc:sldMk cId="1643012278" sldId="329"/>
+            <ac:picMk id="5" creationId="{EBCB33C5-58DF-4628-BADC-3286DE08039F}"/>
+          </ac:picMkLst>
+        </pc:picChg>
+      </pc:sldChg>
       <pc:sldChg chg="modSp mod">
         <pc:chgData name="Anatoliy Kigel" userId="7432c6c4687b0a9c" providerId="LiveId" clId="{B637FAF1-7C4E-451F-B3F3-CE131EC3DB1E}" dt="2021-02-09T21:27:32.741" v="71" actId="20577"/>
         <pc:sldMkLst>
@@ -371,7 +402,7 @@
             <a:fld id="{85522811-C5C6-42D2-A409-F8556720C93F}" type="datetimeFigureOut">
               <a:rPr lang="uk-UA" smtClean="0"/>
               <a:pPr/>
-              <a:t>09.02.2021</a:t>
+              <a:t>11.02.2021</a:t>
             </a:fld>
             <a:endParaRPr lang="uk-UA"/>
           </a:p>
@@ -1001,7 +1032,7 @@
             <a:fld id="{E6FC6B0D-6115-4D7C-8040-9C8E2349BB6E}" type="datetime1">
               <a:rPr lang="uk-UA" smtClean="0"/>
               <a:pPr/>
-              <a:t>09.02.2021</a:t>
+              <a:t>11.02.2021</a:t>
             </a:fld>
             <a:endParaRPr lang="uk-UA"/>
           </a:p>
@@ -1168,7 +1199,7 @@
             <a:fld id="{996367BA-0A39-4DE2-BFC3-D5290044365E}" type="datetime1">
               <a:rPr lang="uk-UA" smtClean="0"/>
               <a:pPr/>
-              <a:t>09.02.2021</a:t>
+              <a:t>11.02.2021</a:t>
             </a:fld>
             <a:endParaRPr lang="uk-UA"/>
           </a:p>
@@ -1345,7 +1376,7 @@
             <a:fld id="{1BD6A67F-6C29-47DC-AF8A-FDB3C787DF70}" type="datetime1">
               <a:rPr lang="uk-UA" smtClean="0"/>
               <a:pPr/>
-              <a:t>09.02.2021</a:t>
+              <a:t>11.02.2021</a:t>
             </a:fld>
             <a:endParaRPr lang="uk-UA"/>
           </a:p>
@@ -1512,7 +1543,7 @@
             <a:fld id="{1657D9C5-7FF1-434F-B56E-9BAD559744E9}" type="datetime1">
               <a:rPr lang="uk-UA" smtClean="0"/>
               <a:pPr/>
-              <a:t>09.02.2021</a:t>
+              <a:t>11.02.2021</a:t>
             </a:fld>
             <a:endParaRPr lang="uk-UA"/>
           </a:p>
@@ -1755,7 +1786,7 @@
             <a:fld id="{2CEB0FC9-DE63-476B-A1A9-BE934D9049F8}" type="datetime1">
               <a:rPr lang="uk-UA" smtClean="0"/>
               <a:pPr/>
-              <a:t>09.02.2021</a:t>
+              <a:t>11.02.2021</a:t>
             </a:fld>
             <a:endParaRPr lang="uk-UA"/>
           </a:p>
@@ -2040,7 +2071,7 @@
             <a:fld id="{F964460F-86E2-4DF6-9D0F-12F5005CF375}" type="datetime1">
               <a:rPr lang="uk-UA" smtClean="0"/>
               <a:pPr/>
-              <a:t>09.02.2021</a:t>
+              <a:t>11.02.2021</a:t>
             </a:fld>
             <a:endParaRPr lang="uk-UA"/>
           </a:p>
@@ -2459,7 +2490,7 @@
             <a:fld id="{C521715E-DDCD-4267-B0A5-2918B6F6768A}" type="datetime1">
               <a:rPr lang="uk-UA" smtClean="0"/>
               <a:pPr/>
-              <a:t>09.02.2021</a:t>
+              <a:t>11.02.2021</a:t>
             </a:fld>
             <a:endParaRPr lang="uk-UA"/>
           </a:p>
@@ -2574,7 +2605,7 @@
             <a:fld id="{9289842C-EB2D-4EBB-A272-2F6A49D9794D}" type="datetime1">
               <a:rPr lang="uk-UA" smtClean="0"/>
               <a:pPr/>
-              <a:t>09.02.2021</a:t>
+              <a:t>11.02.2021</a:t>
             </a:fld>
             <a:endParaRPr lang="uk-UA"/>
           </a:p>
@@ -2666,7 +2697,7 @@
             <a:fld id="{D036F091-B700-4B52-99AC-85D0FD94D904}" type="datetime1">
               <a:rPr lang="uk-UA" smtClean="0"/>
               <a:pPr/>
-              <a:t>09.02.2021</a:t>
+              <a:t>11.02.2021</a:t>
             </a:fld>
             <a:endParaRPr lang="uk-UA"/>
           </a:p>
@@ -2940,7 +2971,7 @@
             <a:fld id="{B35DFABA-3811-4634-B803-2EAC4CD0063B}" type="datetime1">
               <a:rPr lang="uk-UA" smtClean="0"/>
               <a:pPr/>
-              <a:t>09.02.2021</a:t>
+              <a:t>11.02.2021</a:t>
             </a:fld>
             <a:endParaRPr lang="uk-UA"/>
           </a:p>
@@ -3190,7 +3221,7 @@
             <a:fld id="{8A9EA25E-F88E-463A-A119-D1E55A881002}" type="datetime1">
               <a:rPr lang="uk-UA" smtClean="0"/>
               <a:pPr/>
-              <a:t>09.02.2021</a:t>
+              <a:t>11.02.2021</a:t>
             </a:fld>
             <a:endParaRPr lang="uk-UA"/>
           </a:p>
@@ -3400,7 +3431,7 @@
             <a:fld id="{E708ED03-0080-49A2-B709-7DA4ACB3A1C3}" type="datetime1">
               <a:rPr lang="uk-UA" smtClean="0"/>
               <a:pPr/>
-              <a:t>09.02.2021</a:t>
+              <a:t>11.02.2021</a:t>
             </a:fld>
             <a:endParaRPr lang="uk-UA"/>
           </a:p>
@@ -10313,9 +10344,88 @@
           </a:p>
         </p:txBody>
       </p:sp>
+      <p:sp>
+        <p:nvSpPr>
+          <p:cNvPr id="10" name="TextBox 9"/>
+          <p:cNvSpPr txBox="1"/>
+          <p:nvPr/>
+        </p:nvSpPr>
+        <p:spPr>
+          <a:xfrm>
+            <a:off x="7032104" y="2852936"/>
+            <a:ext cx="4248472" cy="1569660"/>
+          </a:xfrm>
+          <a:prstGeom prst="rect">
+            <a:avLst/>
+          </a:prstGeom>
+          <a:noFill/>
+        </p:spPr>
+        <p:txBody>
+          <a:bodyPr wrap="square" rtlCol="0">
+            <a:spAutoFit/>
+          </a:bodyPr>
+          <a:lstStyle/>
+          <a:p>
+            <a:r>
+              <a:rPr lang="ru-RU" sz="2400" dirty="0"/>
+              <a:t>Подготовьте разметку на основе таких команд </a:t>
+            </a:r>
+            <a:r>
+              <a:rPr lang="en-US" sz="2400" b="1" dirty="0"/>
+              <a:t>Emmet</a:t>
+            </a:r>
+            <a:r>
+              <a:rPr lang="en-US" sz="2400" dirty="0"/>
+              <a:t>’</a:t>
+            </a:r>
+            <a:r>
+              <a:rPr lang="uk-UA" sz="2400" dirty="0"/>
+              <a:t>а</a:t>
+            </a:r>
+            <a:r>
+              <a:rPr lang="en-US" sz="2400" dirty="0"/>
+              <a:t> </a:t>
+            </a:r>
+            <a:r>
+              <a:rPr lang="uk-UA" sz="2400" dirty="0"/>
+              <a:t>в </a:t>
+            </a:r>
+            <a:r>
+              <a:rPr lang="en-US" sz="2400" b="1" dirty="0" err="1"/>
+              <a:t>VSCode</a:t>
+            </a:r>
+            <a:r>
+              <a:rPr lang="en-US" sz="2400" b="1" dirty="0"/>
+              <a:t> </a:t>
+            </a:r>
+            <a:r>
+              <a:rPr lang="en-US" sz="2400" dirty="0"/>
+              <a:t>(</a:t>
+            </a:r>
+            <a:r>
+              <a:rPr lang="uk-UA" sz="2400" dirty="0"/>
+              <a:t>команд</a:t>
+            </a:r>
+            <a:r>
+              <a:rPr lang="ru-RU" sz="2400" dirty="0"/>
+              <a:t>ы выполняются по одной</a:t>
+            </a:r>
+            <a:r>
+              <a:rPr lang="en-US" sz="2400" dirty="0"/>
+              <a:t>)</a:t>
+            </a:r>
+          </a:p>
+        </p:txBody>
+      </p:sp>
       <p:pic>
         <p:nvPicPr>
-          <p:cNvPr id="4" name="Рисунок 3"/>
+          <p:cNvPr id="5" name="Рисунок 4">
+            <a:extLst>
+              <a:ext uri="{FF2B5EF4-FFF2-40B4-BE49-F238E27FC236}">
+                <a16:creationId xmlns:a16="http://schemas.microsoft.com/office/drawing/2014/main" id="{EBCB33C5-58DF-4628-BADC-3286DE08039F}"/>
+              </a:ext>
+            </a:extLst>
+          </p:cNvPr>
           <p:cNvPicPr>
             <a:picLocks noChangeAspect="1"/>
           </p:cNvPicPr>
@@ -10329,8 +10439,8 @@
         </p:blipFill>
         <p:spPr>
           <a:xfrm>
-            <a:off x="983432" y="1481147"/>
-            <a:ext cx="5792761" cy="4104456"/>
+            <a:off x="1487488" y="1718478"/>
+            <a:ext cx="4791075" cy="3838575"/>
           </a:xfrm>
           <a:prstGeom prst="rect">
             <a:avLst/>
@@ -10339,184 +10449,14 @@
             <a:noFill/>
           </a:ln>
           <a:effectLst>
-            <a:outerShdw blurRad="190500" algn="tl" rotWithShape="0">
-              <a:srgbClr val="000000">
-                <a:alpha val="70000"/>
+            <a:outerShdw blurRad="292100" dist="139700" dir="2700000" algn="tl" rotWithShape="0">
+              <a:srgbClr val="333333">
+                <a:alpha val="65000"/>
               </a:srgbClr>
             </a:outerShdw>
           </a:effectLst>
         </p:spPr>
       </p:pic>
-      <p:sp>
-        <p:nvSpPr>
-          <p:cNvPr id="10" name="TextBox 9"/>
-          <p:cNvSpPr txBox="1"/>
-          <p:nvPr/>
-        </p:nvSpPr>
-        <p:spPr>
-          <a:xfrm>
-            <a:off x="7320136" y="1340768"/>
-            <a:ext cx="4248472" cy="4524315"/>
-          </a:xfrm>
-          <a:prstGeom prst="rect">
-            <a:avLst/>
-          </a:prstGeom>
-          <a:noFill/>
-        </p:spPr>
-        <p:txBody>
-          <a:bodyPr wrap="square" rtlCol="0">
-            <a:spAutoFit/>
-          </a:bodyPr>
-          <a:lstStyle/>
-          <a:p>
-            <a:r>
-              <a:rPr lang="ru-RU" sz="2400" dirty="0"/>
-              <a:t>Подготовьте разметку на основе таких команд </a:t>
-            </a:r>
-            <a:r>
-              <a:rPr lang="en-US" sz="2400" b="1" dirty="0"/>
-              <a:t>Emmet</a:t>
-            </a:r>
-            <a:r>
-              <a:rPr lang="en-US" sz="2400" dirty="0"/>
-              <a:t>’</a:t>
-            </a:r>
-            <a:r>
-              <a:rPr lang="uk-UA" sz="2400" dirty="0"/>
-              <a:t>а</a:t>
-            </a:r>
-            <a:r>
-              <a:rPr lang="en-US" sz="2400" dirty="0"/>
-              <a:t> </a:t>
-            </a:r>
-            <a:r>
-              <a:rPr lang="uk-UA" sz="2400" dirty="0"/>
-              <a:t>в </a:t>
-            </a:r>
-            <a:r>
-              <a:rPr lang="en-US" sz="2400" b="1" dirty="0" err="1"/>
-              <a:t>VSCode</a:t>
-            </a:r>
-            <a:r>
-              <a:rPr lang="en-US" sz="2400" b="1" dirty="0"/>
-              <a:t> </a:t>
-            </a:r>
-            <a:r>
-              <a:rPr lang="en-US" sz="2400" dirty="0"/>
-              <a:t>(</a:t>
-            </a:r>
-            <a:r>
-              <a:rPr lang="uk-UA" sz="2400" dirty="0"/>
-              <a:t>команд</a:t>
-            </a:r>
-            <a:r>
-              <a:rPr lang="ru-RU" sz="2400" dirty="0"/>
-              <a:t>ы выполняются по одной</a:t>
-            </a:r>
-            <a:r>
-              <a:rPr lang="en-US" sz="2400" dirty="0"/>
-              <a:t>)</a:t>
-            </a:r>
-          </a:p>
-          <a:p>
-            <a:endParaRPr lang="ru-RU" sz="2400" dirty="0"/>
-          </a:p>
-          <a:p>
-            <a:r>
-              <a:rPr lang="en-US" sz="2400" dirty="0"/>
-              <a:t>1)</a:t>
-            </a:r>
-            <a:r>
-              <a:rPr lang="uk-UA" sz="2400" dirty="0"/>
-              <a:t>Каркас </a:t>
-            </a:r>
-            <a:r>
-              <a:rPr lang="en-US" sz="2400" dirty="0"/>
-              <a:t>HTML</a:t>
-            </a:r>
-            <a:r>
-              <a:rPr lang="uk-UA" sz="2400" dirty="0"/>
-              <a:t>-</a:t>
-            </a:r>
-            <a:r>
-              <a:rPr lang="uk-UA" sz="2400" dirty="0" err="1"/>
-              <a:t>разметки</a:t>
-            </a:r>
-            <a:r>
-              <a:rPr lang="en-US" sz="2400" dirty="0"/>
-              <a:t>;</a:t>
-            </a:r>
-            <a:endParaRPr lang="uk-UA" sz="2400" dirty="0"/>
-          </a:p>
-          <a:p>
-            <a:endParaRPr lang="en-US" sz="2400" dirty="0"/>
-          </a:p>
-          <a:p>
-            <a:r>
-              <a:rPr lang="en-US" sz="2400" dirty="0"/>
-              <a:t>2) </a:t>
-            </a:r>
-            <a:r>
-              <a:rPr lang="uk-UA" sz="2400" dirty="0"/>
-              <a:t>Один заголовок </a:t>
-            </a:r>
-            <a:r>
-              <a:rPr lang="en-US" sz="2400" b="1" dirty="0"/>
-              <a:t>&lt;h1&gt; </a:t>
-            </a:r>
-            <a:r>
-              <a:rPr lang="uk-UA" sz="2400" dirty="0"/>
-              <a:t>с 10-ю словами;</a:t>
-            </a:r>
-          </a:p>
-          <a:p>
-            <a:endParaRPr lang="uk-UA" sz="2400" dirty="0"/>
-          </a:p>
-          <a:p>
-            <a:r>
-              <a:rPr lang="uk-UA" sz="2400" dirty="0"/>
-              <a:t>3) </a:t>
-            </a:r>
-            <a:r>
-              <a:rPr lang="uk-UA" sz="2400" dirty="0" err="1"/>
-              <a:t>Пять</a:t>
-            </a:r>
-            <a:r>
-              <a:rPr lang="uk-UA" sz="2400" dirty="0"/>
-              <a:t> </a:t>
-            </a:r>
-            <a:r>
-              <a:rPr lang="uk-UA" sz="2400" dirty="0" err="1"/>
-              <a:t>блоков</a:t>
-            </a:r>
-            <a:r>
-              <a:rPr lang="ru-RU" sz="2400" dirty="0"/>
-              <a:t> </a:t>
-            </a:r>
-            <a:r>
-              <a:rPr lang="en-US" sz="2400" b="1" dirty="0"/>
-              <a:t>&lt;div&gt; </a:t>
-            </a:r>
-            <a:r>
-              <a:rPr lang="uk-UA" sz="2400" dirty="0"/>
-              <a:t>с </a:t>
-            </a:r>
-            <a:r>
-              <a:rPr lang="en-US" sz="2400" dirty="0"/>
-              <a:t>200</a:t>
-            </a:r>
-            <a:r>
-              <a:rPr lang="uk-UA" sz="2400" dirty="0"/>
-              <a:t>-ю словами </a:t>
-            </a:r>
-            <a:r>
-              <a:rPr lang="ru-RU" sz="2400" dirty="0"/>
-              <a:t>каждый.</a:t>
-            </a:r>
-            <a:endParaRPr lang="ru-RU" sz="2400" b="1" dirty="0"/>
-          </a:p>
-        </p:txBody>
-      </p:sp>
     </p:spTree>
     <p:extLst>
       <p:ext uri="{BB962C8B-B14F-4D97-AF65-F5344CB8AC3E}">
